--- a/PowerPoint/Group_09_FinalProject_PP_draftcdkf.pptx
+++ b/PowerPoint/Group_09_FinalProject_PP_draftcdkf.pptx
@@ -3205,7 +3205,7 @@
           <a:p>
             <a:fld id="{9184DA70-C731-4C70-880D-CCD4705E623C}" type="datetime1">
               <a:rPr lang="en-US" smtClean="0"/>
-              <a:t>1/25/2021</a:t>
+              <a:t>1/26/2021</a:t>
             </a:fld>
             <a:endParaRPr lang="en-US" dirty="0"/>
           </a:p>
@@ -3393,7 +3393,7 @@
           <a:p>
             <a:fld id="{B612A279-0833-481D-8C56-F67FD0AC6C50}" type="datetime1">
               <a:rPr lang="en-US" smtClean="0"/>
-              <a:t>1/25/2021</a:t>
+              <a:t>1/26/2021</a:t>
             </a:fld>
             <a:endParaRPr lang="en-US" dirty="0"/>
           </a:p>
@@ -3635,7 +3635,7 @@
           <a:p>
             <a:fld id="{6587DA83-5663-4C9C-B9AA-0B40A3DAFF81}" type="datetime1">
               <a:rPr lang="en-US" smtClean="0"/>
-              <a:t>1/25/2021</a:t>
+              <a:t>1/26/2021</a:t>
             </a:fld>
             <a:endParaRPr lang="en-US" dirty="0"/>
           </a:p>
@@ -3823,7 +3823,7 @@
           <a:p>
             <a:fld id="{4BE1D723-8F53-4F53-90B0-1982A396982E}" type="datetime1">
               <a:rPr lang="en-US" smtClean="0"/>
-              <a:t>1/25/2021</a:t>
+              <a:t>1/26/2021</a:t>
             </a:fld>
             <a:endParaRPr lang="en-US" dirty="0"/>
           </a:p>
@@ -4196,7 +4196,7 @@
           <a:p>
             <a:fld id="{97669AF7-7BEB-44E4-9852-375E34362B5B}" type="datetime1">
               <a:rPr lang="en-US" smtClean="0"/>
-              <a:t>1/25/2021</a:t>
+              <a:t>1/26/2021</a:t>
             </a:fld>
             <a:endParaRPr lang="en-US" dirty="0"/>
           </a:p>
@@ -4451,7 +4451,7 @@
           <a:p>
             <a:fld id="{BAAAC38D-0552-4C82-B593-E6124DFADBE2}" type="datetime1">
               <a:rPr lang="en-US" smtClean="0"/>
-              <a:t>1/25/2021</a:t>
+              <a:t>1/26/2021</a:t>
             </a:fld>
             <a:endParaRPr lang="en-US" dirty="0"/>
           </a:p>
@@ -4848,7 +4848,7 @@
           <a:p>
             <a:fld id="{D9DF0F1C-5577-4ACB-BB62-DF8F3C494C7E}" type="datetime1">
               <a:rPr lang="en-US" smtClean="0"/>
-              <a:t>1/25/2021</a:t>
+              <a:t>1/26/2021</a:t>
             </a:fld>
             <a:endParaRPr lang="en-US" dirty="0"/>
           </a:p>
@@ -4984,7 +4984,7 @@
           <a:p>
             <a:fld id="{1775B394-D9F9-4F0C-B15D-605F45CB9E9F}" type="datetime1">
               <a:rPr lang="en-US" smtClean="0"/>
-              <a:t>1/25/2021</a:t>
+              <a:t>1/26/2021</a:t>
             </a:fld>
             <a:endParaRPr lang="en-US" dirty="0"/>
           </a:p>
@@ -5141,7 +5141,7 @@
           <a:p>
             <a:fld id="{39667345-2558-425A-8533-9BFDBCE15005}" type="datetime1">
               <a:rPr lang="en-US" smtClean="0"/>
-              <a:t>1/25/2021</a:t>
+              <a:t>1/26/2021</a:t>
             </a:fld>
             <a:endParaRPr lang="en-US" dirty="0"/>
           </a:p>
@@ -5470,7 +5470,7 @@
           <a:p>
             <a:fld id="{92BEA474-078D-4E9B-9B14-09A87B19DC46}" type="datetime1">
               <a:rPr lang="en-US" smtClean="0"/>
-              <a:t>1/25/2021</a:t>
+              <a:t>1/26/2021</a:t>
             </a:fld>
             <a:endParaRPr lang="en-US" dirty="0"/>
           </a:p>
@@ -5819,7 +5819,7 @@
           <a:p>
             <a:fld id="{4907D986-8816-4272-A432-0437A28A9828}" type="datetime1">
               <a:rPr lang="en-US" smtClean="0"/>
-              <a:t>1/25/2021</a:t>
+              <a:t>1/26/2021</a:t>
             </a:fld>
             <a:endParaRPr lang="en-US" dirty="0"/>
           </a:p>
@@ -6080,7 +6080,7 @@
           <a:p>
             <a:fld id="{62D6E202-B606-4609-B914-27C9371A1F6D}" type="datetime1">
               <a:rPr lang="en-US" smtClean="0"/>
-              <a:t>1/25/2021</a:t>
+              <a:t>1/26/2021</a:t>
             </a:fld>
             <a:endParaRPr lang="en-US" dirty="0"/>
           </a:p>
@@ -9064,8 +9064,12 @@
           </a:p>
           <a:p>
             <a:r>
+              <a:rPr lang="en-US"/>
+              <a:t>What </a:t>
+            </a:r>
+            <a:r>
               <a:rPr lang="en-US" dirty="0"/>
-              <a:t>Was is the call’s sentiment? What are common words/topics used across company earnings calls?</a:t>
+              <a:t>is the call’s sentiment? What are common words/topics used across company earnings calls?</a:t>
             </a:r>
           </a:p>
           <a:p>

--- a/PowerPoint/Group_09_FinalProject_PP_draftcdkf.pptx
+++ b/PowerPoint/Group_09_FinalProject_PP_draftcdkf.pptx
@@ -19,11 +19,12 @@
     <p:sldId id="277" r:id="rId13"/>
     <p:sldId id="278" r:id="rId14"/>
     <p:sldId id="279" r:id="rId15"/>
-    <p:sldId id="271" r:id="rId16"/>
-    <p:sldId id="267" r:id="rId17"/>
-    <p:sldId id="268" r:id="rId18"/>
-    <p:sldId id="269" r:id="rId19"/>
-    <p:sldId id="270" r:id="rId20"/>
+    <p:sldId id="281" r:id="rId16"/>
+    <p:sldId id="271" r:id="rId17"/>
+    <p:sldId id="267" r:id="rId18"/>
+    <p:sldId id="268" r:id="rId19"/>
+    <p:sldId id="269" r:id="rId20"/>
+    <p:sldId id="270" r:id="rId21"/>
   </p:sldIdLst>
   <p:sldSz cx="12192000" cy="6858000"/>
   <p:notesSz cx="6858000" cy="9144000"/>
@@ -8176,7 +8177,7 @@
             </a:br>
             <a:r>
               <a:rPr lang="en-US" dirty="0"/>
-              <a:t>LSTM</a:t>
+              <a:t>Price Forecast </a:t>
             </a:r>
           </a:p>
         </p:txBody>
@@ -8202,10 +8203,141 @@
           <a:bodyPr/>
           <a:lstStyle/>
           <a:p>
+            <a:pPr marL="457200" indent="-457200">
+              <a:buClr>
+                <a:schemeClr val="tx2"/>
+              </a:buClr>
+              <a:buFont typeface="+mj-lt"/>
+              <a:buAutoNum type="arabicPeriod"/>
+            </a:pPr>
+            <a:r>
+              <a:rPr lang="en-US" dirty="0"/>
+              <a:t>Get the stock prices of the stocks for past 15 years</a:t>
+            </a:r>
+          </a:p>
+          <a:p>
+            <a:pPr marL="457200" indent="-457200">
+              <a:buClrTx/>
+              <a:buFont typeface="+mj-lt"/>
+              <a:buAutoNum type="arabicPeriod"/>
+            </a:pPr>
+            <a:r>
+              <a:rPr lang="en-US" dirty="0"/>
+              <a:t>Identify the stocks to be included in the model. </a:t>
+            </a:r>
+          </a:p>
+          <a:p>
+            <a:pPr marL="761238" lvl="2" indent="-285750">
+              <a:buFont typeface="Arial" panose="020B0604020202020204" pitchFamily="34" charset="0"/>
+              <a:buChar char="•"/>
+            </a:pPr>
+            <a:r>
+              <a:rPr lang="en-US" dirty="0"/>
+              <a:t>Calculate SMA and EMA for the stocks</a:t>
+            </a:r>
+          </a:p>
+          <a:p>
+            <a:pPr marL="761238" lvl="2" indent="-285750">
+              <a:buFont typeface="Arial" panose="020B0604020202020204" pitchFamily="34" charset="0"/>
+              <a:buChar char="•"/>
+            </a:pPr>
+            <a:r>
+              <a:rPr lang="en-US" dirty="0"/>
+              <a:t>Calculate Percentage return for the stocks</a:t>
+            </a:r>
+          </a:p>
+          <a:p>
+            <a:pPr marL="761238" lvl="2" indent="-285750">
+              <a:buFont typeface="Arial" panose="020B0604020202020204" pitchFamily="34" charset="0"/>
+              <a:buChar char="•"/>
+            </a:pPr>
+            <a:r>
+              <a:rPr lang="en-US" dirty="0"/>
+              <a:t>Calculate risk matrix and remove the stocks that are outliers </a:t>
+            </a:r>
+          </a:p>
+          <a:p>
+            <a:pPr marL="761238" lvl="2" indent="-285750">
+              <a:buFont typeface="Arial" panose="020B0604020202020204" pitchFamily="34" charset="0"/>
+              <a:buChar char="•"/>
+            </a:pPr>
+            <a:r>
+              <a:rPr lang="en-US" dirty="0"/>
+              <a:t>Plot the stock expected returns and stock prices against each other </a:t>
+            </a:r>
+          </a:p>
+          <a:p>
+            <a:pPr marL="475488" lvl="2" indent="0">
+              <a:buNone/>
+            </a:pPr>
+            <a:r>
+              <a:rPr lang="en-US" dirty="0"/>
+              <a:t>       with pair grid and look  for overlapping.</a:t>
+            </a:r>
+          </a:p>
+          <a:p>
+            <a:pPr marL="761238" lvl="2" indent="-285750">
+              <a:buFont typeface="Arial" panose="020B0604020202020204" pitchFamily="34" charset="0"/>
+              <a:buChar char="•"/>
+            </a:pPr>
+            <a:r>
+              <a:rPr lang="en-US" dirty="0"/>
+              <a:t> Calculate heat map with expected returns </a:t>
+            </a:r>
+          </a:p>
+          <a:p>
+            <a:pPr marL="841248" lvl="4" indent="0">
+              <a:buNone/>
+            </a:pPr>
             <a:endParaRPr lang="en-US" dirty="0"/>
           </a:p>
+          <a:p>
+            <a:pPr marL="475488" lvl="2" indent="0">
+              <a:buNone/>
+            </a:pPr>
+            <a:endParaRPr lang="en-US" dirty="0"/>
+          </a:p>
+          <a:p>
+            <a:endParaRPr lang="en-US" dirty="0"/>
+          </a:p>
+          <a:p>
+            <a:pPr marL="0" indent="0">
+              <a:buNone/>
+            </a:pPr>
+            <a:endParaRPr lang="en-US" dirty="0"/>
+          </a:p>
         </p:txBody>
       </p:sp>
+      <p:pic>
+        <p:nvPicPr>
+          <p:cNvPr id="9" name="Picture 8">
+            <a:extLst>
+              <a:ext uri="{FF2B5EF4-FFF2-40B4-BE49-F238E27FC236}">
+                <a16:creationId xmlns:a16="http://schemas.microsoft.com/office/drawing/2014/main" id="{EE34A559-9035-455D-AE50-93F39BCCE3EF}"/>
+              </a:ext>
+            </a:extLst>
+          </p:cNvPr>
+          <p:cNvPicPr>
+            <a:picLocks noChangeAspect="1"/>
+          </p:cNvPicPr>
+          <p:nvPr/>
+        </p:nvPicPr>
+        <p:blipFill>
+          <a:blip r:embed="rId2"/>
+          <a:stretch>
+            <a:fillRect/>
+          </a:stretch>
+        </p:blipFill>
+        <p:spPr>
+          <a:xfrm>
+            <a:off x="6686549" y="3211617"/>
+            <a:ext cx="5343525" cy="2960583"/>
+          </a:xfrm>
+          <a:prstGeom prst="rect">
+            <a:avLst/>
+          </a:prstGeom>
+        </p:spPr>
+      </p:pic>
     </p:spTree>
     <p:extLst>
       <p:ext uri="{BB962C8B-B14F-4D97-AF65-F5344CB8AC3E}">
@@ -8270,7 +8402,7 @@
             </a:br>
             <a:r>
               <a:rPr lang="en-US" dirty="0"/>
-              <a:t>GRU</a:t>
+              <a:t>LSTM Process</a:t>
             </a:r>
           </a:p>
         </p:txBody>
@@ -8295,6 +8427,128 @@
         <p:txBody>
           <a:bodyPr/>
           <a:lstStyle/>
+          <a:p>
+            <a:pPr marL="457200" indent="-457200">
+              <a:buClr>
+                <a:schemeClr val="tx2"/>
+              </a:buClr>
+              <a:buFont typeface="+mj-lt"/>
+              <a:buAutoNum type="arabicPeriod"/>
+            </a:pPr>
+            <a:r>
+              <a:rPr lang="en-US" sz="1600" dirty="0"/>
+              <a:t>Prepare the date for the GRU</a:t>
+            </a:r>
+          </a:p>
+          <a:p>
+            <a:pPr marL="457200" indent="-457200">
+              <a:buClr>
+                <a:schemeClr val="tx2"/>
+              </a:buClr>
+              <a:buFont typeface="+mj-lt"/>
+              <a:buAutoNum type="arabicPeriod"/>
+            </a:pPr>
+            <a:r>
+              <a:rPr lang="en-US" sz="1600" dirty="0"/>
+              <a:t>Shifted the data by lag of one day, 24 hours</a:t>
+            </a:r>
+          </a:p>
+          <a:p>
+            <a:pPr marL="457200" indent="-457200">
+              <a:buClr>
+                <a:schemeClr val="tx2"/>
+              </a:buClr>
+              <a:buFont typeface="+mj-lt"/>
+              <a:buAutoNum type="arabicPeriod"/>
+            </a:pPr>
+            <a:r>
+              <a:rPr lang="en-US" sz="1600" dirty="0"/>
+              <a:t>Performed rolling with 60 rolling windows</a:t>
+            </a:r>
+          </a:p>
+          <a:p>
+            <a:pPr marL="457200" indent="-457200">
+              <a:buClr>
+                <a:schemeClr val="tx2"/>
+              </a:buClr>
+              <a:buFont typeface="+mj-lt"/>
+              <a:buAutoNum type="arabicPeriod"/>
+            </a:pPr>
+            <a:r>
+              <a:rPr lang="en-US" sz="1600" dirty="0"/>
+              <a:t> Built the neural network for price forecasting</a:t>
+            </a:r>
+          </a:p>
+          <a:p>
+            <a:pPr marL="749808" lvl="1" indent="-457200">
+              <a:buClr>
+                <a:schemeClr val="tx2"/>
+              </a:buClr>
+              <a:buFont typeface="+mj-lt"/>
+              <a:buAutoNum type="arabicPeriod"/>
+            </a:pPr>
+            <a:r>
+              <a:rPr lang="en-US" sz="1400" dirty="0"/>
+              <a:t>Four layers with 128 units, 1 dense layer. </a:t>
+            </a:r>
+          </a:p>
+          <a:p>
+            <a:pPr marL="749808" lvl="1" indent="-457200">
+              <a:buClr>
+                <a:schemeClr val="tx2"/>
+              </a:buClr>
+              <a:buFont typeface="+mj-lt"/>
+              <a:buAutoNum type="arabicPeriod"/>
+            </a:pPr>
+            <a:r>
+              <a:rPr lang="en-US" sz="1400" dirty="0"/>
+              <a:t>Noise dropout – 0.5</a:t>
+            </a:r>
+          </a:p>
+          <a:p>
+            <a:pPr marL="749808" lvl="1" indent="-457200">
+              <a:buClr>
+                <a:schemeClr val="tx2"/>
+              </a:buClr>
+              <a:buFont typeface="+mj-lt"/>
+              <a:buAutoNum type="arabicPeriod"/>
+            </a:pPr>
+            <a:r>
+              <a:rPr lang="en-US" sz="1400" dirty="0"/>
+              <a:t>Optimizer - </a:t>
+            </a:r>
+            <a:r>
+              <a:rPr lang="en-US" sz="1400" dirty="0" err="1"/>
+              <a:t>rmsprop</a:t>
+            </a:r>
+            <a:r>
+              <a:rPr lang="en-US" sz="1400" dirty="0"/>
+              <a:t> and loss is calculated as MSE </a:t>
+            </a:r>
+          </a:p>
+          <a:p>
+            <a:pPr marL="749808" lvl="1" indent="-457200">
+              <a:buClr>
+                <a:schemeClr val="tx2"/>
+              </a:buClr>
+              <a:buFont typeface="+mj-lt"/>
+              <a:buAutoNum type="arabicPeriod"/>
+            </a:pPr>
+            <a:r>
+              <a:rPr lang="en-US" sz="1400" dirty="0"/>
+              <a:t>Fit the model with 10 epochs and 20 batch size</a:t>
+            </a:r>
+          </a:p>
+          <a:p>
+            <a:pPr marL="457200" indent="-457200">
+              <a:buClr>
+                <a:schemeClr val="tx2"/>
+              </a:buClr>
+              <a:buFont typeface="+mj-lt"/>
+              <a:buAutoNum type="arabicPeriod"/>
+            </a:pPr>
+            <a:endParaRPr lang="en-US" sz="1600" dirty="0"/>
+          </a:p>
           <a:p>
             <a:endParaRPr lang="en-US" dirty="0"/>
           </a:p>
@@ -8335,7 +8589,7 @@
           <p:cNvPr id="2" name="Title 1">
             <a:extLst>
               <a:ext uri="{FF2B5EF4-FFF2-40B4-BE49-F238E27FC236}">
-                <a16:creationId xmlns:a16="http://schemas.microsoft.com/office/drawing/2014/main" id="{4398ADF2-99B8-4A06-BB2D-0A1760EC0B27}"/>
+                <a16:creationId xmlns:a16="http://schemas.microsoft.com/office/drawing/2014/main" id="{A1EAA91B-1E7B-4F7D-A360-B74AF527B0F4}"/>
               </a:ext>
             </a:extLst>
           </p:cNvPr>
@@ -8348,12 +8602,23 @@
         </p:nvSpPr>
         <p:spPr/>
         <p:txBody>
-          <a:bodyPr/>
+          <a:bodyPr>
+            <a:normAutofit fontScale="90000"/>
+          </a:bodyPr>
           <a:lstStyle/>
           <a:p>
-            <a:r>
+            <a:br>
               <a:rPr lang="en-US" dirty="0"/>
-              <a:t>Webpage Demo </a:t>
+            </a:br>
+            <a:br>
+              <a:rPr lang="en-US" dirty="0"/>
+            </a:br>
+            <a:br>
+              <a:rPr lang="en-US" dirty="0"/>
+            </a:br>
+            <a:r>
+              <a:rPr lang="en-US" dirty="0"/>
+              <a:t>GRU Process</a:t>
             </a:r>
           </a:p>
         </p:txBody>
@@ -8363,7 +8628,7 @@
           <p:cNvPr id="3" name="Content Placeholder 2">
             <a:extLst>
               <a:ext uri="{FF2B5EF4-FFF2-40B4-BE49-F238E27FC236}">
-                <a16:creationId xmlns:a16="http://schemas.microsoft.com/office/drawing/2014/main" id="{2C871309-37D0-4C78-A7E1-5B8D84CD3333}"/>
+                <a16:creationId xmlns:a16="http://schemas.microsoft.com/office/drawing/2014/main" id="{35CACDC8-834E-440D-8848-4C8D0836E8A0}"/>
               </a:ext>
             </a:extLst>
           </p:cNvPr>
@@ -8379,6 +8644,120 @@
           <a:bodyPr/>
           <a:lstStyle/>
           <a:p>
+            <a:pPr marL="457200" indent="-457200">
+              <a:buClr>
+                <a:schemeClr val="tx2"/>
+              </a:buClr>
+              <a:buFont typeface="+mj-lt"/>
+              <a:buAutoNum type="arabicPeriod"/>
+            </a:pPr>
+            <a:r>
+              <a:rPr lang="en-US" sz="1600" dirty="0"/>
+              <a:t>Prepare the date for the LSTM</a:t>
+            </a:r>
+          </a:p>
+          <a:p>
+            <a:pPr marL="457200" indent="-457200">
+              <a:buClr>
+                <a:schemeClr val="tx2"/>
+              </a:buClr>
+              <a:buFont typeface="+mj-lt"/>
+              <a:buAutoNum type="arabicPeriod"/>
+            </a:pPr>
+            <a:r>
+              <a:rPr lang="en-US" sz="1600" dirty="0"/>
+              <a:t>Shifted the data by lag of one day, 24 hours</a:t>
+            </a:r>
+          </a:p>
+          <a:p>
+            <a:pPr marL="457200" indent="-457200">
+              <a:buClr>
+                <a:schemeClr val="tx2"/>
+              </a:buClr>
+              <a:buFont typeface="+mj-lt"/>
+              <a:buAutoNum type="arabicPeriod"/>
+            </a:pPr>
+            <a:r>
+              <a:rPr lang="en-US" sz="1600" dirty="0"/>
+              <a:t>Performed rolling with 60 rolling windows</a:t>
+            </a:r>
+          </a:p>
+          <a:p>
+            <a:pPr marL="457200" indent="-457200">
+              <a:buClr>
+                <a:schemeClr val="tx2"/>
+              </a:buClr>
+              <a:buFont typeface="+mj-lt"/>
+              <a:buAutoNum type="arabicPeriod"/>
+            </a:pPr>
+            <a:r>
+              <a:rPr lang="en-US" sz="1600" dirty="0"/>
+              <a:t> Built the neural network for price forecasting</a:t>
+            </a:r>
+          </a:p>
+          <a:p>
+            <a:pPr marL="749808" lvl="1" indent="-457200">
+              <a:buClr>
+                <a:schemeClr val="tx2"/>
+              </a:buClr>
+              <a:buFont typeface="+mj-lt"/>
+              <a:buAutoNum type="arabicPeriod"/>
+            </a:pPr>
+            <a:r>
+              <a:rPr lang="en-US" sz="1400" dirty="0"/>
+              <a:t>Four layers with 128 units, 1 dense layer. </a:t>
+            </a:r>
+          </a:p>
+          <a:p>
+            <a:pPr marL="749808" lvl="1" indent="-457200">
+              <a:buClr>
+                <a:schemeClr val="tx2"/>
+              </a:buClr>
+              <a:buFont typeface="+mj-lt"/>
+              <a:buAutoNum type="arabicPeriod"/>
+            </a:pPr>
+            <a:r>
+              <a:rPr lang="en-US" sz="1400" dirty="0"/>
+              <a:t>Noise dropout - 0.2</a:t>
+            </a:r>
+          </a:p>
+          <a:p>
+            <a:pPr marL="749808" lvl="1" indent="-457200">
+              <a:buClr>
+                <a:schemeClr val="tx2"/>
+              </a:buClr>
+              <a:buFont typeface="+mj-lt"/>
+              <a:buAutoNum type="arabicPeriod"/>
+            </a:pPr>
+            <a:r>
+              <a:rPr lang="en-US" sz="1400" dirty="0"/>
+              <a:t>Optimizer - SGD and loss is calculated as MSE </a:t>
+            </a:r>
+          </a:p>
+          <a:p>
+            <a:pPr marL="749808" lvl="1" indent="-457200">
+              <a:buClr>
+                <a:schemeClr val="tx2"/>
+              </a:buClr>
+              <a:buFont typeface="+mj-lt"/>
+              <a:buAutoNum type="arabicPeriod"/>
+            </a:pPr>
+            <a:r>
+              <a:rPr lang="en-US" sz="1400" dirty="0"/>
+              <a:t>Fit the model with 50 epochs and 150 batch size</a:t>
+            </a:r>
+          </a:p>
+          <a:p>
+            <a:pPr marL="457200" indent="-457200">
+              <a:buClr>
+                <a:schemeClr val="tx2"/>
+              </a:buClr>
+              <a:buFont typeface="+mj-lt"/>
+              <a:buAutoNum type="arabicPeriod"/>
+            </a:pPr>
+            <a:endParaRPr lang="en-US" sz="1600" dirty="0"/>
+          </a:p>
+          <a:p>
             <a:endParaRPr lang="en-US" dirty="0"/>
           </a:p>
         </p:txBody>
@@ -8386,7 +8765,7 @@
     </p:spTree>
     <p:extLst>
       <p:ext uri="{BB962C8B-B14F-4D97-AF65-F5344CB8AC3E}">
-        <p14:creationId xmlns:p14="http://schemas.microsoft.com/office/powerpoint/2010/main" val="2001805901"/>
+        <p14:creationId xmlns:p14="http://schemas.microsoft.com/office/powerpoint/2010/main" val="786677680"/>
       </p:ext>
     </p:extLst>
   </p:cSld>
@@ -8418,7 +8797,7 @@
           <p:cNvPr id="2" name="Title 1">
             <a:extLst>
               <a:ext uri="{FF2B5EF4-FFF2-40B4-BE49-F238E27FC236}">
-                <a16:creationId xmlns:a16="http://schemas.microsoft.com/office/drawing/2014/main" id="{2897B58C-DEB7-4296-BA4F-874F2AE76B93}"/>
+                <a16:creationId xmlns:a16="http://schemas.microsoft.com/office/drawing/2014/main" id="{4398ADF2-99B8-4A06-BB2D-0A1760EC0B27}"/>
               </a:ext>
             </a:extLst>
           </p:cNvPr>
@@ -8436,7 +8815,7 @@
           <a:p>
             <a:r>
               <a:rPr lang="en-US" dirty="0"/>
-              <a:t>Heroku Link</a:t>
+              <a:t>Webpage Demo </a:t>
             </a:r>
           </a:p>
         </p:txBody>
@@ -8446,7 +8825,7 @@
           <p:cNvPr id="3" name="Content Placeholder 2">
             <a:extLst>
               <a:ext uri="{FF2B5EF4-FFF2-40B4-BE49-F238E27FC236}">
-                <a16:creationId xmlns:a16="http://schemas.microsoft.com/office/drawing/2014/main" id="{7F637E57-5F4F-483A-A33B-637BB9FFAEE8}"/>
+                <a16:creationId xmlns:a16="http://schemas.microsoft.com/office/drawing/2014/main" id="{2C871309-37D0-4C78-A7E1-5B8D84CD3333}"/>
               </a:ext>
             </a:extLst>
           </p:cNvPr>
@@ -8469,7 +8848,7 @@
     </p:spTree>
     <p:extLst>
       <p:ext uri="{BB962C8B-B14F-4D97-AF65-F5344CB8AC3E}">
-        <p14:creationId xmlns:p14="http://schemas.microsoft.com/office/powerpoint/2010/main" val="3591560751"/>
+        <p14:creationId xmlns:p14="http://schemas.microsoft.com/office/powerpoint/2010/main" val="2001805901"/>
       </p:ext>
     </p:extLst>
   </p:cSld>
@@ -8501,7 +8880,7 @@
           <p:cNvPr id="2" name="Title 1">
             <a:extLst>
               <a:ext uri="{FF2B5EF4-FFF2-40B4-BE49-F238E27FC236}">
-                <a16:creationId xmlns:a16="http://schemas.microsoft.com/office/drawing/2014/main" id="{269DC372-AD90-4C0D-A707-0F8DF9C522A2}"/>
+                <a16:creationId xmlns:a16="http://schemas.microsoft.com/office/drawing/2014/main" id="{2897B58C-DEB7-4296-BA4F-874F2AE76B93}"/>
               </a:ext>
             </a:extLst>
           </p:cNvPr>
@@ -8519,7 +8898,7 @@
           <a:p>
             <a:r>
               <a:rPr lang="en-US" dirty="0"/>
-              <a:t>Challenges</a:t>
+              <a:t>Heroku Link</a:t>
             </a:r>
           </a:p>
         </p:txBody>
@@ -8529,7 +8908,7 @@
           <p:cNvPr id="3" name="Content Placeholder 2">
             <a:extLst>
               <a:ext uri="{FF2B5EF4-FFF2-40B4-BE49-F238E27FC236}">
-                <a16:creationId xmlns:a16="http://schemas.microsoft.com/office/drawing/2014/main" id="{CE635292-1960-41B5-A1D6-592A88AEEEC9}"/>
+                <a16:creationId xmlns:a16="http://schemas.microsoft.com/office/drawing/2014/main" id="{7F637E57-5F4F-483A-A33B-637BB9FFAEE8}"/>
               </a:ext>
             </a:extLst>
           </p:cNvPr>
@@ -8545,18 +8924,6 @@
           <a:bodyPr/>
           <a:lstStyle/>
           <a:p>
-            <a:r>
-              <a:rPr lang="en-US" dirty="0"/>
-              <a:t>Large text files</a:t>
-            </a:r>
-          </a:p>
-          <a:p>
-            <a:r>
-              <a:rPr lang="en-US" dirty="0"/>
-              <a:t>Model run times</a:t>
-            </a:r>
-          </a:p>
-          <a:p>
             <a:endParaRPr lang="en-US" dirty="0"/>
           </a:p>
         </p:txBody>
@@ -8564,7 +8931,7 @@
     </p:spTree>
     <p:extLst>
       <p:ext uri="{BB962C8B-B14F-4D97-AF65-F5344CB8AC3E}">
-        <p14:creationId xmlns:p14="http://schemas.microsoft.com/office/powerpoint/2010/main" val="3480641528"/>
+        <p14:creationId xmlns:p14="http://schemas.microsoft.com/office/powerpoint/2010/main" val="3591560751"/>
       </p:ext>
     </p:extLst>
   </p:cSld>
@@ -8596,7 +8963,7 @@
           <p:cNvPr id="2" name="Title 1">
             <a:extLst>
               <a:ext uri="{FF2B5EF4-FFF2-40B4-BE49-F238E27FC236}">
-                <a16:creationId xmlns:a16="http://schemas.microsoft.com/office/drawing/2014/main" id="{D29E9254-3798-43B5-8924-D3D17D7539FF}"/>
+                <a16:creationId xmlns:a16="http://schemas.microsoft.com/office/drawing/2014/main" id="{269DC372-AD90-4C0D-A707-0F8DF9C522A2}"/>
               </a:ext>
             </a:extLst>
           </p:cNvPr>
@@ -8614,7 +8981,7 @@
           <a:p>
             <a:r>
               <a:rPr lang="en-US" dirty="0"/>
-              <a:t>Next steps/uses…</a:t>
+              <a:t>Challenges</a:t>
             </a:r>
           </a:p>
         </p:txBody>
@@ -8624,7 +8991,7 @@
           <p:cNvPr id="3" name="Content Placeholder 2">
             <a:extLst>
               <a:ext uri="{FF2B5EF4-FFF2-40B4-BE49-F238E27FC236}">
-                <a16:creationId xmlns:a16="http://schemas.microsoft.com/office/drawing/2014/main" id="{6A26F6D8-A7B2-41AB-8A1A-E2A790140AA4}"/>
+                <a16:creationId xmlns:a16="http://schemas.microsoft.com/office/drawing/2014/main" id="{CE635292-1960-41B5-A1D6-592A88AEEEC9}"/>
               </a:ext>
             </a:extLst>
           </p:cNvPr>
@@ -8640,38 +9007,26 @@
           <a:bodyPr/>
           <a:lstStyle/>
           <a:p>
-            <a:pPr marL="0" indent="0">
-              <a:buNone/>
-            </a:pPr>
             <a:r>
               <a:rPr lang="en-US" dirty="0"/>
-              <a:t> Backtrack results</a:t>
+              <a:t>Large text files</a:t>
             </a:r>
           </a:p>
           <a:p>
             <a:r>
               <a:rPr lang="en-US" dirty="0"/>
-              <a:t>Predict trends</a:t>
-            </a:r>
-          </a:p>
-          <a:p>
-            <a:r>
-              <a:rPr lang="en-US" dirty="0"/>
-              <a:t>Predict price</a:t>
-            </a:r>
-          </a:p>
-          <a:p>
-            <a:r>
-              <a:rPr lang="en-US" dirty="0"/>
-              <a:t>Embed sentiment in model</a:t>
-            </a:r>
+              <a:t>Model run times</a:t>
+            </a:r>
+          </a:p>
+          <a:p>
+            <a:endParaRPr lang="en-US" dirty="0"/>
           </a:p>
         </p:txBody>
       </p:sp>
     </p:spTree>
     <p:extLst>
       <p:ext uri="{BB962C8B-B14F-4D97-AF65-F5344CB8AC3E}">
-        <p14:creationId xmlns:p14="http://schemas.microsoft.com/office/powerpoint/2010/main" val="4084153790"/>
+        <p14:creationId xmlns:p14="http://schemas.microsoft.com/office/powerpoint/2010/main" val="3480641528"/>
       </p:ext>
     </p:extLst>
   </p:cSld>
@@ -8703,7 +9058,7 @@
           <p:cNvPr id="2" name="Title 1">
             <a:extLst>
               <a:ext uri="{FF2B5EF4-FFF2-40B4-BE49-F238E27FC236}">
-                <a16:creationId xmlns:a16="http://schemas.microsoft.com/office/drawing/2014/main" id="{AEDE6998-AF6C-4B80-8854-ECF72A6378CA}"/>
+                <a16:creationId xmlns:a16="http://schemas.microsoft.com/office/drawing/2014/main" id="{D29E9254-3798-43B5-8924-D3D17D7539FF}"/>
               </a:ext>
             </a:extLst>
           </p:cNvPr>
@@ -8721,7 +9076,7 @@
           <a:p>
             <a:r>
               <a:rPr lang="en-US" dirty="0"/>
-              <a:t>Questions</a:t>
+              <a:t>Next steps/uses…</a:t>
             </a:r>
           </a:p>
         </p:txBody>
@@ -8731,7 +9086,7 @@
           <p:cNvPr id="3" name="Content Placeholder 2">
             <a:extLst>
               <a:ext uri="{FF2B5EF4-FFF2-40B4-BE49-F238E27FC236}">
-                <a16:creationId xmlns:a16="http://schemas.microsoft.com/office/drawing/2014/main" id="{A912450E-605B-4197-8835-A2B9508766EC}"/>
+                <a16:creationId xmlns:a16="http://schemas.microsoft.com/office/drawing/2014/main" id="{6A26F6D8-A7B2-41AB-8A1A-E2A790140AA4}"/>
               </a:ext>
             </a:extLst>
           </p:cNvPr>
@@ -8747,14 +9102,38 @@
           <a:bodyPr/>
           <a:lstStyle/>
           <a:p>
-            <a:endParaRPr lang="en-US" dirty="0"/>
+            <a:pPr marL="0" indent="0">
+              <a:buNone/>
+            </a:pPr>
+            <a:r>
+              <a:rPr lang="en-US" dirty="0"/>
+              <a:t> Backtrack results</a:t>
+            </a:r>
+          </a:p>
+          <a:p>
+            <a:r>
+              <a:rPr lang="en-US" dirty="0"/>
+              <a:t>Predict trends</a:t>
+            </a:r>
+          </a:p>
+          <a:p>
+            <a:r>
+              <a:rPr lang="en-US" dirty="0"/>
+              <a:t>Predict price</a:t>
+            </a:r>
+          </a:p>
+          <a:p>
+            <a:r>
+              <a:rPr lang="en-US" dirty="0"/>
+              <a:t>Embed sentiment in model</a:t>
+            </a:r>
           </a:p>
         </p:txBody>
       </p:sp>
     </p:spTree>
     <p:extLst>
       <p:ext uri="{BB962C8B-B14F-4D97-AF65-F5344CB8AC3E}">
-        <p14:creationId xmlns:p14="http://schemas.microsoft.com/office/powerpoint/2010/main" val="3000412849"/>
+        <p14:creationId xmlns:p14="http://schemas.microsoft.com/office/powerpoint/2010/main" val="4084153790"/>
       </p:ext>
     </p:extLst>
   </p:cSld>
@@ -8976,6 +9355,89 @@
     <p:extLst>
       <p:ext uri="{BB962C8B-B14F-4D97-AF65-F5344CB8AC3E}">
         <p14:creationId xmlns:p14="http://schemas.microsoft.com/office/powerpoint/2010/main" val="3100591976"/>
+      </p:ext>
+    </p:extLst>
+  </p:cSld>
+  <p:clrMapOvr>
+    <a:masterClrMapping/>
+  </p:clrMapOvr>
+</p:sld>
+</file>
+
+<file path=ppt/slides/slide20.xml><?xml version="1.0" encoding="utf-8"?>
+<p:sld xmlns:a="http://schemas.openxmlformats.org/drawingml/2006/main" xmlns:r="http://schemas.openxmlformats.org/officeDocument/2006/relationships" xmlns:p="http://schemas.openxmlformats.org/presentationml/2006/main">
+  <p:cSld>
+    <p:spTree>
+      <p:nvGrpSpPr>
+        <p:cNvPr id="1" name=""/>
+        <p:cNvGrpSpPr/>
+        <p:nvPr/>
+      </p:nvGrpSpPr>
+      <p:grpSpPr>
+        <a:xfrm>
+          <a:off x="0" y="0"/>
+          <a:ext cx="0" cy="0"/>
+          <a:chOff x="0" y="0"/>
+          <a:chExt cx="0" cy="0"/>
+        </a:xfrm>
+      </p:grpSpPr>
+      <p:sp>
+        <p:nvSpPr>
+          <p:cNvPr id="2" name="Title 1">
+            <a:extLst>
+              <a:ext uri="{FF2B5EF4-FFF2-40B4-BE49-F238E27FC236}">
+                <a16:creationId xmlns:a16="http://schemas.microsoft.com/office/drawing/2014/main" id="{AEDE6998-AF6C-4B80-8854-ECF72A6378CA}"/>
+              </a:ext>
+            </a:extLst>
+          </p:cNvPr>
+          <p:cNvSpPr>
+            <a:spLocks noGrp="1"/>
+          </p:cNvSpPr>
+          <p:nvPr>
+            <p:ph type="title"/>
+          </p:nvPr>
+        </p:nvSpPr>
+        <p:spPr/>
+        <p:txBody>
+          <a:bodyPr/>
+          <a:lstStyle/>
+          <a:p>
+            <a:r>
+              <a:rPr lang="en-US" dirty="0"/>
+              <a:t>Questions</a:t>
+            </a:r>
+          </a:p>
+        </p:txBody>
+      </p:sp>
+      <p:sp>
+        <p:nvSpPr>
+          <p:cNvPr id="3" name="Content Placeholder 2">
+            <a:extLst>
+              <a:ext uri="{FF2B5EF4-FFF2-40B4-BE49-F238E27FC236}">
+                <a16:creationId xmlns:a16="http://schemas.microsoft.com/office/drawing/2014/main" id="{A912450E-605B-4197-8835-A2B9508766EC}"/>
+              </a:ext>
+            </a:extLst>
+          </p:cNvPr>
+          <p:cNvSpPr>
+            <a:spLocks noGrp="1"/>
+          </p:cNvSpPr>
+          <p:nvPr>
+            <p:ph idx="1"/>
+          </p:nvPr>
+        </p:nvSpPr>
+        <p:spPr/>
+        <p:txBody>
+          <a:bodyPr/>
+          <a:lstStyle/>
+          <a:p>
+            <a:endParaRPr lang="en-US" dirty="0"/>
+          </a:p>
+        </p:txBody>
+      </p:sp>
+    </p:spTree>
+    <p:extLst>
+      <p:ext uri="{BB962C8B-B14F-4D97-AF65-F5344CB8AC3E}">
+        <p14:creationId xmlns:p14="http://schemas.microsoft.com/office/powerpoint/2010/main" val="3000412849"/>
       </p:ext>
     </p:extLst>
   </p:cSld>
